--- a/IBM Electronics Sales .pptx
+++ b/IBM Electronics Sales .pptx
@@ -265,7 +265,7 @@
           <a:p>
             <a:fld id="{EED1C14C-A143-42F5-B247-D0E800131009}" type="datetimeFigureOut">
               <a:rPr lang="en-US" smtClean="0"/>
-              <a:t>9/27/23</a:t>
+              <a:t>9/28/23</a:t>
             </a:fld>
             <a:endParaRPr lang="en-US"/>
           </a:p>
@@ -463,7 +463,7 @@
           <a:p>
             <a:fld id="{EED1C14C-A143-42F5-B247-D0E800131009}" type="datetimeFigureOut">
               <a:rPr lang="en-US" smtClean="0"/>
-              <a:t>9/27/23</a:t>
+              <a:t>9/28/23</a:t>
             </a:fld>
             <a:endParaRPr lang="en-US"/>
           </a:p>
@@ -671,7 +671,7 @@
           <a:p>
             <a:fld id="{EED1C14C-A143-42F5-B247-D0E800131009}" type="datetimeFigureOut">
               <a:rPr lang="en-US" smtClean="0"/>
-              <a:t>9/27/23</a:t>
+              <a:t>9/28/23</a:t>
             </a:fld>
             <a:endParaRPr lang="en-US"/>
           </a:p>
@@ -869,7 +869,7 @@
           <a:p>
             <a:fld id="{EED1C14C-A143-42F5-B247-D0E800131009}" type="datetimeFigureOut">
               <a:rPr lang="en-US" smtClean="0"/>
-              <a:t>9/27/23</a:t>
+              <a:t>9/28/23</a:t>
             </a:fld>
             <a:endParaRPr lang="en-US"/>
           </a:p>
@@ -1144,7 +1144,7 @@
           <a:p>
             <a:fld id="{EED1C14C-A143-42F5-B247-D0E800131009}" type="datetimeFigureOut">
               <a:rPr lang="en-US" smtClean="0"/>
-              <a:t>9/27/23</a:t>
+              <a:t>9/28/23</a:t>
             </a:fld>
             <a:endParaRPr lang="en-US"/>
           </a:p>
@@ -1409,7 +1409,7 @@
           <a:p>
             <a:fld id="{EED1C14C-A143-42F5-B247-D0E800131009}" type="datetimeFigureOut">
               <a:rPr lang="en-US" smtClean="0"/>
-              <a:t>9/27/23</a:t>
+              <a:t>9/28/23</a:t>
             </a:fld>
             <a:endParaRPr lang="en-US"/>
           </a:p>
@@ -1821,7 +1821,7 @@
           <a:p>
             <a:fld id="{EED1C14C-A143-42F5-B247-D0E800131009}" type="datetimeFigureOut">
               <a:rPr lang="en-US" smtClean="0"/>
-              <a:t>9/27/23</a:t>
+              <a:t>9/28/23</a:t>
             </a:fld>
             <a:endParaRPr lang="en-US"/>
           </a:p>
@@ -1962,7 +1962,7 @@
           <a:p>
             <a:fld id="{EED1C14C-A143-42F5-B247-D0E800131009}" type="datetimeFigureOut">
               <a:rPr lang="en-US" smtClean="0"/>
-              <a:t>9/27/23</a:t>
+              <a:t>9/28/23</a:t>
             </a:fld>
             <a:endParaRPr lang="en-US"/>
           </a:p>
@@ -2075,7 +2075,7 @@
           <a:p>
             <a:fld id="{EED1C14C-A143-42F5-B247-D0E800131009}" type="datetimeFigureOut">
               <a:rPr lang="en-US" smtClean="0"/>
-              <a:t>9/27/23</a:t>
+              <a:t>9/28/23</a:t>
             </a:fld>
             <a:endParaRPr lang="en-US"/>
           </a:p>
@@ -2386,7 +2386,7 @@
           <a:p>
             <a:fld id="{EED1C14C-A143-42F5-B247-D0E800131009}" type="datetimeFigureOut">
               <a:rPr lang="en-US" smtClean="0"/>
-              <a:t>9/27/23</a:t>
+              <a:t>9/28/23</a:t>
             </a:fld>
             <a:endParaRPr lang="en-US"/>
           </a:p>
@@ -2674,7 +2674,7 @@
           <a:p>
             <a:fld id="{EED1C14C-A143-42F5-B247-D0E800131009}" type="datetimeFigureOut">
               <a:rPr lang="en-US" smtClean="0"/>
-              <a:t>9/27/23</a:t>
+              <a:t>9/28/23</a:t>
             </a:fld>
             <a:endParaRPr lang="en-US"/>
           </a:p>
@@ -2915,7 +2915,7 @@
           <a:p>
             <a:fld id="{EED1C14C-A143-42F5-B247-D0E800131009}" type="datetimeFigureOut">
               <a:rPr lang="en-US" smtClean="0"/>
-              <a:t>9/27/23</a:t>
+              <a:t>9/28/23</a:t>
             </a:fld>
             <a:endParaRPr lang="en-US"/>
           </a:p>
@@ -3318,6 +3318,14 @@
 <file path=ppt/slides/slide1.xml><?xml version="1.0" encoding="utf-8"?>
 <p:sld xmlns:a="http://schemas.openxmlformats.org/drawingml/2006/main" xmlns:r="http://schemas.openxmlformats.org/officeDocument/2006/relationships" xmlns:p="http://schemas.openxmlformats.org/presentationml/2006/main">
   <p:cSld>
+    <p:bg>
+      <p:bgPr>
+        <a:solidFill>
+          <a:srgbClr val="000000"/>
+        </a:solidFill>
+        <a:effectLst/>
+      </p:bgPr>
+    </p:bg>
     <p:spTree>
       <p:nvGrpSpPr>
         <p:cNvPr id="1" name=""/>
@@ -3334,6 +3342,105 @@
       </p:grpSpPr>
       <p:sp>
         <p:nvSpPr>
+          <p:cNvPr id="31" name="Rectangle 30">
+            <a:extLst>
+              <a:ext uri="{FF2B5EF4-FFF2-40B4-BE49-F238E27FC236}">
+                <a16:creationId xmlns:a16="http://schemas.microsoft.com/office/drawing/2014/main" id="{71B2258F-86CA-4D4D-8270-BC05FCDEBFB3}"/>
+              </a:ext>
+              <a:ext uri="{C183D7F6-B498-43B3-948B-1728B52AA6E4}">
+                <adec:decorative xmlns:adec="http://schemas.microsoft.com/office/drawing/2017/decorative" val="1"/>
+              </a:ext>
+            </a:extLst>
+          </p:cNvPr>
+          <p:cNvSpPr>
+            <a:spLocks noGrp="1" noRot="1" noChangeAspect="1" noMove="1" noResize="1" noEditPoints="1" noAdjustHandles="1" noChangeArrowheads="1" noChangeShapeType="1" noTextEdit="1"/>
+          </p:cNvSpPr>
+          <p:nvPr>
+            <p:extLst>
+              <p:ext uri="{386F3935-93C4-4BCD-93E2-E3B085C9AB24}">
+                <p16:designElem xmlns:p16="http://schemas.microsoft.com/office/powerpoint/2015/main" val="1"/>
+              </p:ext>
+            </p:extLst>
+          </p:nvPr>
+        </p:nvSpPr>
+        <p:spPr>
+          <a:xfrm>
+            <a:off x="0" y="0"/>
+            <a:ext cx="12192000" cy="6857999"/>
+          </a:xfrm>
+          <a:prstGeom prst="rect">
+            <a:avLst/>
+          </a:prstGeom>
+          <a:solidFill>
+            <a:srgbClr val="000000"/>
+          </a:solidFill>
+          <a:ln>
+            <a:noFill/>
+          </a:ln>
+        </p:spPr>
+        <p:style>
+          <a:lnRef idx="2">
+            <a:schemeClr val="accent1">
+              <a:shade val="50000"/>
+            </a:schemeClr>
+          </a:lnRef>
+          <a:fillRef idx="1">
+            <a:schemeClr val="accent1"/>
+          </a:fillRef>
+          <a:effectRef idx="0">
+            <a:schemeClr val="accent1"/>
+          </a:effectRef>
+          <a:fontRef idx="minor">
+            <a:schemeClr val="lt1"/>
+          </a:fontRef>
+        </p:style>
+        <p:txBody>
+          <a:bodyPr rtlCol="0" anchor="ctr"/>
+          <a:lstStyle/>
+          <a:p>
+            <a:pPr algn="ctr"/>
+            <a:endParaRPr lang="en-US"/>
+          </a:p>
+        </p:txBody>
+      </p:sp>
+      <p:pic>
+        <p:nvPicPr>
+          <p:cNvPr id="3" name="slide7" descr="Dashboard 1">
+            <a:extLst>
+              <a:ext uri="{FF2B5EF4-FFF2-40B4-BE49-F238E27FC236}">
+                <a16:creationId xmlns:a16="http://schemas.microsoft.com/office/drawing/2014/main" id="{E9F714FF-E348-B932-E9CA-6C144FCC1924}"/>
+              </a:ext>
+            </a:extLst>
+          </p:cNvPr>
+          <p:cNvPicPr>
+            <a:picLocks noChangeAspect="1"/>
+          </p:cNvPicPr>
+          <p:nvPr/>
+        </p:nvPicPr>
+        <p:blipFill rotWithShape="1">
+          <a:blip r:embed="rId2">
+            <a:alphaModFix amt="50000"/>
+            <a:extLst>
+              <a:ext uri="{28A0092B-C50C-407E-A947-70E740481C1C}">
+                <a14:useLocalDpi xmlns:a14="http://schemas.microsoft.com/office/drawing/2010/main" val="0"/>
+              </a:ext>
+            </a:extLst>
+          </a:blip>
+          <a:srcRect t="11956" b="17731"/>
+          <a:stretch/>
+        </p:blipFill>
+        <p:spPr>
+          <a:xfrm>
+            <a:off x="20" y="1"/>
+            <a:ext cx="12191980" cy="6857999"/>
+          </a:xfrm>
+          <a:prstGeom prst="rect">
+            <a:avLst/>
+          </a:prstGeom>
+        </p:spPr>
+      </p:pic>
+      <p:sp>
+        <p:nvSpPr>
           <p:cNvPr id="2" name="slide1">
             <a:extLst>
               <a:ext uri="{FF2B5EF4-FFF2-40B4-BE49-F238E27FC236}">
@@ -3348,12 +3455,24 @@
             <p:ph type="ctrTitle"/>
           </p:nvPr>
         </p:nvSpPr>
-        <p:spPr/>
-        <p:txBody>
-          <a:bodyPr/>
-          <a:lstStyle/>
-          <a:p>
-            <a:r>
+        <p:spPr>
+          <a:xfrm>
+            <a:off x="1524000" y="1122362"/>
+            <a:ext cx="9144000" cy="2900518"/>
+          </a:xfrm>
+        </p:spPr>
+        <p:txBody>
+          <a:bodyPr>
+            <a:normAutofit/>
+          </a:bodyPr>
+          <a:lstStyle/>
+          <a:p>
+            <a:r>
+              <a:rPr lang="en-US">
+                <a:solidFill>
+                  <a:srgbClr val="FFFFFF"/>
+                </a:solidFill>
+              </a:rPr>
               <a:t>IBM Electronics Sales </a:t>
             </a:r>
           </a:p>
@@ -3367,8 +3486,100 @@
     </p:extLst>
   </p:cSld>
   <p:clrMapOvr>
-    <a:masterClrMapping/>
+    <a:overrideClrMapping bg1="dk1" tx1="lt1" bg2="dk2" tx2="lt2" accent1="accent1" accent2="accent2" accent3="accent3" accent4="accent4" accent5="accent5" accent6="accent6" hlink="hlink" folHlink="folHlink"/>
   </p:clrMapOvr>
+  <p:timing>
+    <p:tnLst>
+      <p:par>
+        <p:cTn id="1" dur="indefinite" restart="never" nodeType="tmRoot">
+          <p:childTnLst>
+            <p:seq concurrent="1" nextAc="seek">
+              <p:cTn id="2" dur="indefinite" nodeType="mainSeq">
+                <p:childTnLst>
+                  <p:par>
+                    <p:cTn id="3" fill="hold">
+                      <p:stCondLst>
+                        <p:cond delay="indefinite"/>
+                        <p:cond evt="onBegin" delay="0">
+                          <p:tn val="2"/>
+                        </p:cond>
+                      </p:stCondLst>
+                      <p:childTnLst>
+                        <p:par>
+                          <p:cTn id="4" fill="hold">
+                            <p:stCondLst>
+                              <p:cond delay="0"/>
+                            </p:stCondLst>
+                            <p:childTnLst>
+                              <p:par>
+                                <p:cTn id="5" presetID="10" presetClass="entr" presetSubtype="0" fill="hold" grpId="0" nodeType="withEffect">
+                                  <p:stCondLst>
+                                    <p:cond delay="1000"/>
+                                  </p:stCondLst>
+                                  <p:iterate type="lt">
+                                    <p:tmPct val="10000"/>
+                                  </p:iterate>
+                                  <p:childTnLst>
+                                    <p:set>
+                                      <p:cBhvr>
+                                        <p:cTn id="6" dur="1" fill="hold">
+                                          <p:stCondLst>
+                                            <p:cond delay="0"/>
+                                          </p:stCondLst>
+                                        </p:cTn>
+                                        <p:tgtEl>
+                                          <p:spTgt spid="2"/>
+                                        </p:tgtEl>
+                                        <p:attrNameLst>
+                                          <p:attrName>style.visibility</p:attrName>
+                                        </p:attrNameLst>
+                                      </p:cBhvr>
+                                      <p:to>
+                                        <p:strVal val="visible"/>
+                                      </p:to>
+                                    </p:set>
+                                    <p:animEffect transition="in" filter="fade">
+                                      <p:cBhvr>
+                                        <p:cTn id="7" dur="400"/>
+                                        <p:tgtEl>
+                                          <p:spTgt spid="2"/>
+                                        </p:tgtEl>
+                                      </p:cBhvr>
+                                    </p:animEffect>
+                                  </p:childTnLst>
+                                </p:cTn>
+                              </p:par>
+                            </p:childTnLst>
+                          </p:cTn>
+                        </p:par>
+                      </p:childTnLst>
+                    </p:cTn>
+                  </p:par>
+                </p:childTnLst>
+              </p:cTn>
+              <p:prevCondLst>
+                <p:cond evt="onPrev" delay="0">
+                  <p:tgtEl>
+                    <p:sldTgt/>
+                  </p:tgtEl>
+                </p:cond>
+              </p:prevCondLst>
+              <p:nextCondLst>
+                <p:cond evt="onNext" delay="0">
+                  <p:tgtEl>
+                    <p:sldTgt/>
+                  </p:tgtEl>
+                </p:cond>
+              </p:nextCondLst>
+            </p:seq>
+          </p:childTnLst>
+        </p:cTn>
+      </p:par>
+    </p:tnLst>
+    <p:bldLst>
+      <p:bldP spid="2" grpId="0"/>
+    </p:bldLst>
+  </p:timing>
 </p:sld>
 </file>
 
